--- a/Document/Report/Tuần 4/PoC/SlidePoC.pptx
+++ b/Document/Report/Tuần 4/PoC/SlidePoC.pptx
@@ -258,7 +258,7 @@
             <a:fld id="{1D8BD707-D9CF-40AE-B4C6-C98DA3205C09}" type="datetimeFigureOut">
               <a:rPr lang="en-US" smtClean="0"/>
               <a:pPr/>
-              <a:t>9/30/2015</a:t>
+              <a:t>10/1/2015</a:t>
             </a:fld>
             <a:endParaRPr lang="en-US"/>
           </a:p>
@@ -573,7 +573,7 @@
             <a:fld id="{1D8BD707-D9CF-40AE-B4C6-C98DA3205C09}" type="datetimeFigureOut">
               <a:rPr lang="en-US" smtClean="0"/>
               <a:pPr/>
-              <a:t>9/30/2015</a:t>
+              <a:t>10/1/2015</a:t>
             </a:fld>
             <a:endParaRPr lang="en-US"/>
           </a:p>
@@ -760,7 +760,7 @@
             <a:fld id="{1D8BD707-D9CF-40AE-B4C6-C98DA3205C09}" type="datetimeFigureOut">
               <a:rPr lang="en-US" smtClean="0"/>
               <a:pPr/>
-              <a:t>9/30/2015</a:t>
+              <a:t>10/1/2015</a:t>
             </a:fld>
             <a:endParaRPr lang="en-US"/>
           </a:p>
@@ -937,7 +937,7 @@
             <a:fld id="{1D8BD707-D9CF-40AE-B4C6-C98DA3205C09}" type="datetimeFigureOut">
               <a:rPr lang="en-US" smtClean="0"/>
               <a:pPr/>
-              <a:t>9/30/2015</a:t>
+              <a:t>10/1/2015</a:t>
             </a:fld>
             <a:endParaRPr lang="en-US"/>
           </a:p>
@@ -1207,7 +1207,7 @@
             <a:fld id="{1D8BD707-D9CF-40AE-B4C6-C98DA3205C09}" type="datetimeFigureOut">
               <a:rPr lang="en-US" smtClean="0"/>
               <a:pPr/>
-              <a:t>9/30/2015</a:t>
+              <a:t>10/1/2015</a:t>
             </a:fld>
             <a:endParaRPr lang="en-US"/>
           </a:p>
@@ -1677,7 +1677,7 @@
             <a:fld id="{1D8BD707-D9CF-40AE-B4C6-C98DA3205C09}" type="datetimeFigureOut">
               <a:rPr lang="en-US" smtClean="0"/>
               <a:pPr/>
-              <a:t>9/30/2015</a:t>
+              <a:t>10/1/2015</a:t>
             </a:fld>
             <a:endParaRPr lang="en-US"/>
           </a:p>
@@ -2168,7 +2168,7 @@
             <a:fld id="{1D8BD707-D9CF-40AE-B4C6-C98DA3205C09}" type="datetimeFigureOut">
               <a:rPr lang="en-US" smtClean="0"/>
               <a:pPr/>
-              <a:t>9/30/2015</a:t>
+              <a:t>10/1/2015</a:t>
             </a:fld>
             <a:endParaRPr lang="en-US"/>
           </a:p>
@@ -2296,7 +2296,7 @@
             <a:fld id="{1D8BD707-D9CF-40AE-B4C6-C98DA3205C09}" type="datetimeFigureOut">
               <a:rPr lang="en-US" smtClean="0"/>
               <a:pPr/>
-              <a:t>9/30/2015</a:t>
+              <a:t>10/1/2015</a:t>
             </a:fld>
             <a:endParaRPr lang="en-US"/>
           </a:p>
@@ -2442,7 +2442,7 @@
             <a:fld id="{1D8BD707-D9CF-40AE-B4C6-C98DA3205C09}" type="datetimeFigureOut">
               <a:rPr lang="en-US" smtClean="0"/>
               <a:pPr/>
-              <a:t>9/30/2015</a:t>
+              <a:t>10/1/2015</a:t>
             </a:fld>
             <a:endParaRPr lang="en-US"/>
           </a:p>
@@ -2766,7 +2766,7 @@
             <a:fld id="{1D8BD707-D9CF-40AE-B4C6-C98DA3205C09}" type="datetimeFigureOut">
               <a:rPr lang="en-US" smtClean="0"/>
               <a:pPr/>
-              <a:t>9/30/2015</a:t>
+              <a:t>10/1/2015</a:t>
             </a:fld>
             <a:endParaRPr lang="en-US"/>
           </a:p>
@@ -2902,7 +2902,7 @@
             <a:fld id="{1D8BD707-D9CF-40AE-B4C6-C98DA3205C09}" type="datetimeFigureOut">
               <a:rPr lang="en-US" smtClean="0"/>
               <a:pPr/>
-              <a:t>9/30/2015</a:t>
+              <a:t>10/1/2015</a:t>
             </a:fld>
             <a:endParaRPr lang="en-US"/>
           </a:p>
@@ -3685,7 +3685,7 @@
             <a:fld id="{1D8BD707-D9CF-40AE-B4C6-C98DA3205C09}" type="datetimeFigureOut">
               <a:rPr lang="en-US" smtClean="0"/>
               <a:pPr/>
-              <a:t>9/30/2015</a:t>
+              <a:t>10/1/2015</a:t>
             </a:fld>
             <a:endParaRPr lang="en-US"/>
           </a:p>
@@ -5768,16 +5768,91 @@
                 <a:latin typeface="Times New Roman" pitchFamily="18" charset="0"/>
                 <a:cs typeface="Times New Roman" pitchFamily="18" charset="0"/>
               </a:rPr>
-              <a:t>Wireframe </a:t>
-            </a:r>
-            <a:r>
-              <a:rPr lang="en-US" dirty="0" smtClean="0">
-                <a:latin typeface="Times New Roman" pitchFamily="18" charset="0"/>
-                <a:cs typeface="Times New Roman" pitchFamily="18" charset="0"/>
-              </a:rPr>
-              <a:t>Prototyping</a:t>
+              <a:t>Wireframe Prototyping</a:t>
             </a:r>
             <a:endParaRPr lang="en-US" dirty="0">
+              <a:latin typeface="Times New Roman" pitchFamily="18" charset="0"/>
+              <a:cs typeface="Times New Roman" pitchFamily="18" charset="0"/>
+            </a:endParaRPr>
+          </a:p>
+        </p:txBody>
+      </p:sp>
+      <p:sp>
+        <p:nvSpPr>
+          <p:cNvPr id="3" name="Oval 2"/>
+          <p:cNvSpPr/>
+          <p:nvPr/>
+        </p:nvSpPr>
+        <p:spPr>
+          <a:xfrm>
+            <a:off x="2286000" y="1981200"/>
+            <a:ext cx="5334000" cy="2895600"/>
+          </a:xfrm>
+          <a:prstGeom prst="ellipse">
+            <a:avLst/>
+          </a:prstGeom>
+        </p:spPr>
+        <p:style>
+          <a:lnRef idx="2">
+            <a:schemeClr val="accent1">
+              <a:shade val="50000"/>
+            </a:schemeClr>
+          </a:lnRef>
+          <a:fillRef idx="1">
+            <a:schemeClr val="accent1"/>
+          </a:fillRef>
+          <a:effectRef idx="0">
+            <a:schemeClr val="accent1"/>
+          </a:effectRef>
+          <a:fontRef idx="minor">
+            <a:schemeClr val="lt1"/>
+          </a:fontRef>
+        </p:style>
+        <p:txBody>
+          <a:bodyPr rtlCol="0" anchor="ctr"/>
+          <a:lstStyle/>
+          <a:p>
+            <a:pPr algn="ctr"/>
+            <a:r>
+              <a:rPr lang="en-US" sz="5400" dirty="0" smtClean="0">
+                <a:ln w="18415" cmpd="sng">
+                  <a:solidFill>
+                    <a:srgbClr val="FFFFFF"/>
+                  </a:solidFill>
+                  <a:prstDash val="solid"/>
+                </a:ln>
+                <a:solidFill>
+                  <a:srgbClr val="FFFFFF"/>
+                </a:solidFill>
+                <a:effectLst>
+                  <a:outerShdw blurRad="63500" dir="3600000" algn="tl" rotWithShape="0">
+                    <a:srgbClr val="000000">
+                      <a:alpha val="70000"/>
+                    </a:srgbClr>
+                  </a:outerShdw>
+                </a:effectLst>
+                <a:latin typeface="Times New Roman" pitchFamily="18" charset="0"/>
+                <a:cs typeface="Times New Roman" pitchFamily="18" charset="0"/>
+              </a:rPr>
+              <a:t>DEMO</a:t>
+            </a:r>
+            <a:endParaRPr lang="en-US" sz="5400" dirty="0">
+              <a:ln w="18415" cmpd="sng">
+                <a:solidFill>
+                  <a:srgbClr val="FFFFFF"/>
+                </a:solidFill>
+                <a:prstDash val="solid"/>
+              </a:ln>
+              <a:solidFill>
+                <a:srgbClr val="FFFFFF"/>
+              </a:solidFill>
+              <a:effectLst>
+                <a:outerShdw blurRad="63500" dir="3600000" algn="tl" rotWithShape="0">
+                  <a:srgbClr val="000000">
+                    <a:alpha val="70000"/>
+                  </a:srgbClr>
+                </a:outerShdw>
+              </a:effectLst>
               <a:latin typeface="Times New Roman" pitchFamily="18" charset="0"/>
               <a:cs typeface="Times New Roman" pitchFamily="18" charset="0"/>
             </a:endParaRPr>

--- a/Document/Report/Tuần 4/PoC/SlidePoC.pptx
+++ b/Document/Report/Tuần 4/PoC/SlidePoC.pptx
@@ -7977,7 +7977,7 @@
         <p:spPr>
           <a:xfrm>
             <a:off x="2971800" y="5570898"/>
-            <a:ext cx="6177332" cy="553998"/>
+            <a:ext cx="6030818" cy="553998"/>
           </a:xfrm>
           <a:prstGeom prst="rect">
             <a:avLst/>
@@ -8047,11 +8047,11 @@
               <a:t> </a:t>
             </a:r>
             <a:r>
-              <a:rPr lang="en-US" sz="3000" dirty="0" err="1" smtClean="0">
-                <a:latin typeface="Times New Roman" pitchFamily="18" charset="0"/>
-                <a:cs typeface="Times New Roman" pitchFamily="18" charset="0"/>
-              </a:rPr>
-              <a:t>requiremnet</a:t>
+              <a:rPr lang="en-US" sz="3000" dirty="0" smtClean="0">
+                <a:latin typeface="Times New Roman" pitchFamily="18" charset="0"/>
+                <a:cs typeface="Times New Roman" pitchFamily="18" charset="0"/>
+              </a:rPr>
+              <a:t>requirement</a:t>
             </a:r>
             <a:endParaRPr lang="en-US" sz="3000" dirty="0">
               <a:latin typeface="Times New Roman" pitchFamily="18" charset="0"/>
